--- a/Leo Präsi.pptx
+++ b/Leo Präsi.pptx
@@ -205,7 +205,7 @@
           <a:p>
             <a:fld id="{A2DC66F6-55EB-4342-9B8C-4BD2F39E48B7}" type="datetimeFigureOut">
               <a:rPr lang="de-DE" smtClean="0"/>
-              <a:t>11.08.2018</a:t>
+              <a:t>12.08.2018</a:t>
             </a:fld>
             <a:endParaRPr lang="de-DE"/>
           </a:p>
@@ -744,7 +744,7 @@
           <a:p>
             <a:fld id="{009F598A-B0D2-435A-8683-0100206BDD80}" type="datetimeFigureOut">
               <a:rPr lang="de-DE" smtClean="0"/>
-              <a:t>11.08.2018</a:t>
+              <a:t>12.08.2018</a:t>
             </a:fld>
             <a:endParaRPr lang="de-DE"/>
           </a:p>
@@ -922,7 +922,7 @@
           <a:p>
             <a:fld id="{009F598A-B0D2-435A-8683-0100206BDD80}" type="datetimeFigureOut">
               <a:rPr lang="de-DE" smtClean="0"/>
-              <a:t>11.08.2018</a:t>
+              <a:t>12.08.2018</a:t>
             </a:fld>
             <a:endParaRPr lang="de-DE"/>
           </a:p>
@@ -1539,7 +1539,7 @@
           <a:p>
             <a:fld id="{009F598A-B0D2-435A-8683-0100206BDD80}" type="datetimeFigureOut">
               <a:rPr lang="de-DE" smtClean="0"/>
-              <a:t>11.08.2018</a:t>
+              <a:t>12.08.2018</a:t>
             </a:fld>
             <a:endParaRPr lang="de-DE"/>
           </a:p>
@@ -1768,7 +1768,7 @@
           <a:p>
             <a:fld id="{009F598A-B0D2-435A-8683-0100206BDD80}" type="datetimeFigureOut">
               <a:rPr lang="de-DE" smtClean="0"/>
-              <a:t>11.08.2018</a:t>
+              <a:t>12.08.2018</a:t>
             </a:fld>
             <a:endParaRPr lang="de-DE"/>
           </a:p>
@@ -2132,7 +2132,7 @@
           <a:p>
             <a:fld id="{009F598A-B0D2-435A-8683-0100206BDD80}" type="datetimeFigureOut">
               <a:rPr lang="de-DE" smtClean="0"/>
-              <a:t>11.08.2018</a:t>
+              <a:t>12.08.2018</a:t>
             </a:fld>
             <a:endParaRPr lang="de-DE"/>
           </a:p>
@@ -2249,7 +2249,7 @@
           <a:p>
             <a:fld id="{009F598A-B0D2-435A-8683-0100206BDD80}" type="datetimeFigureOut">
               <a:rPr lang="de-DE" smtClean="0"/>
-              <a:t>11.08.2018</a:t>
+              <a:t>12.08.2018</a:t>
             </a:fld>
             <a:endParaRPr lang="de-DE"/>
           </a:p>
@@ -2344,7 +2344,7 @@
           <a:p>
             <a:fld id="{009F598A-B0D2-435A-8683-0100206BDD80}" type="datetimeFigureOut">
               <a:rPr lang="de-DE" smtClean="0"/>
-              <a:t>11.08.2018</a:t>
+              <a:t>12.08.2018</a:t>
             </a:fld>
             <a:endParaRPr lang="de-DE"/>
           </a:p>
@@ -2619,7 +2619,7 @@
           <a:p>
             <a:fld id="{009F598A-B0D2-435A-8683-0100206BDD80}" type="datetimeFigureOut">
               <a:rPr lang="de-DE" smtClean="0"/>
-              <a:t>11.08.2018</a:t>
+              <a:t>12.08.2018</a:t>
             </a:fld>
             <a:endParaRPr lang="de-DE"/>
           </a:p>
@@ -2871,7 +2871,7 @@
           <a:p>
             <a:fld id="{009F598A-B0D2-435A-8683-0100206BDD80}" type="datetimeFigureOut">
               <a:rPr lang="de-DE" smtClean="0"/>
-              <a:t>11.08.2018</a:t>
+              <a:t>12.08.2018</a:t>
             </a:fld>
             <a:endParaRPr lang="de-DE"/>
           </a:p>
@@ -3082,7 +3082,7 @@
           <a:p>
             <a:fld id="{009F598A-B0D2-435A-8683-0100206BDD80}" type="datetimeFigureOut">
               <a:rPr lang="de-DE" smtClean="0"/>
-              <a:t>11.08.2018</a:t>
+              <a:t>12.08.2018</a:t>
             </a:fld>
             <a:endParaRPr lang="de-DE"/>
           </a:p>
@@ -4639,21 +4639,21 @@
             <a:pPr lvl="1"/>
             <a:r>
               <a:rPr lang="en-US" dirty="0"/>
-              <a:t>Ad advertises a bargain</a:t>
+              <a:t>Ad advertises a good deal</a:t>
             </a:r>
           </a:p>
           <a:p>
             <a:pPr lvl="1"/>
             <a:r>
               <a:rPr lang="en-US" dirty="0"/>
-              <a:t>Ad advertises a product that belongs to an earlier buy</a:t>
+              <a:t>Ad advertises a product that complements an earlier buy</a:t>
             </a:r>
           </a:p>
           <a:p>
             <a:pPr lvl="1"/>
             <a:r>
               <a:rPr lang="en-US" dirty="0"/>
-              <a:t>When they have a lot of money to spend (start of a month?)</a:t>
+              <a:t>When people have a lot of money to spend (start of a month?)</a:t>
             </a:r>
           </a:p>
           <a:p>
@@ -5266,41 +5266,55 @@
           <a:p>
             <a:r>
               <a:rPr lang="en-US" dirty="0"/>
-              <a:t>Assumption 1: Bridge that minimize air-line distance is actually used</a:t>
+              <a:t>Many </a:t>
+            </a:r>
+            <a:r>
+              <a:rPr lang="en-US" dirty="0" err="1"/>
+              <a:t>NaNs</a:t>
+            </a:r>
+            <a:r>
+              <a:rPr lang="en-US" dirty="0"/>
+              <a:t> in new features due to missing data / to little data</a:t>
             </a:r>
           </a:p>
           <a:p>
             <a:pPr lvl="1"/>
             <a:r>
               <a:rPr lang="en-US" dirty="0"/>
-              <a:t>Different route</a:t>
-            </a:r>
+              <a:t>E.g. </a:t>
+            </a:r>
+            <a:r>
+              <a:rPr lang="en-US" dirty="0" err="1"/>
+              <a:t>average_money_spent_cate</a:t>
+            </a:r>
+            <a:r>
+              <a:rPr lang="en-US" dirty="0"/>
+              <a:t> in test set 98% </a:t>
+            </a:r>
+            <a:r>
+              <a:rPr lang="en-US" dirty="0" err="1"/>
+              <a:t>NaNs</a:t>
+            </a:r>
+            <a:endParaRPr lang="en-US" dirty="0"/>
           </a:p>
           <a:p>
             <a:pPr lvl="1"/>
             <a:r>
               <a:rPr lang="en-US" dirty="0"/>
-              <a:t>Non-linear route</a:t>
+              <a:t>Many users did not shop in all categories / missing data</a:t>
             </a:r>
           </a:p>
           <a:p>
             <a:r>
               <a:rPr lang="en-US" dirty="0"/>
-              <a:t>Assumption 2: air-line distance ratio represents real inner-city to outer-city trip distance ratio</a:t>
+              <a:t>Train and test set were sampled</a:t>
             </a:r>
           </a:p>
           <a:p>
             <a:pPr lvl="1"/>
             <a:r>
               <a:rPr lang="en-US" dirty="0"/>
-              <a:t>Different shape of route in city vs out of city</a:t>
-            </a:r>
-          </a:p>
-          <a:p>
-            <a:pPr lvl="1"/>
-            <a:r>
-              <a:rPr lang="en-US" dirty="0"/>
-              <a:t>Extra destinations possible</a:t>
+              <a:t>A very active user might be appear very inactive</a:t>
             </a:r>
           </a:p>
         </p:txBody>
@@ -5548,55 +5562,6 @@
                                           <p:spTgt spid="3">
                                             <p:txEl>
                                               <p:pRg st="4" end="4"/>
-                                            </p:txEl>
-                                          </p:spTgt>
-                                        </p:tgtEl>
-                                        <p:attrNameLst>
-                                          <p:attrName>style.visibility</p:attrName>
-                                        </p:attrNameLst>
-                                      </p:cBhvr>
-                                      <p:to>
-                                        <p:strVal val="visible"/>
-                                      </p:to>
-                                    </p:set>
-                                  </p:childTnLst>
-                                </p:cTn>
-                              </p:par>
-                            </p:childTnLst>
-                          </p:cTn>
-                        </p:par>
-                      </p:childTnLst>
-                    </p:cTn>
-                  </p:par>
-                  <p:par>
-                    <p:cTn id="23" fill="hold">
-                      <p:stCondLst>
-                        <p:cond delay="indefinite"/>
-                      </p:stCondLst>
-                      <p:childTnLst>
-                        <p:par>
-                          <p:cTn id="24" fill="hold">
-                            <p:stCondLst>
-                              <p:cond delay="0"/>
-                            </p:stCondLst>
-                            <p:childTnLst>
-                              <p:par>
-                                <p:cTn id="25" presetID="1" presetClass="entr" presetSubtype="0" fill="hold" nodeType="clickEffect">
-                                  <p:stCondLst>
-                                    <p:cond delay="0"/>
-                                  </p:stCondLst>
-                                  <p:childTnLst>
-                                    <p:set>
-                                      <p:cBhvr>
-                                        <p:cTn id="26" dur="1" fill="hold">
-                                          <p:stCondLst>
-                                            <p:cond delay="0"/>
-                                          </p:stCondLst>
-                                        </p:cTn>
-                                        <p:tgtEl>
-                                          <p:spTgt spid="3">
-                                            <p:txEl>
-                                              <p:pRg st="5" end="5"/>
                                             </p:txEl>
                                           </p:spTgt>
                                         </p:tgtEl>
